--- a/logos_presentation.pptx
+++ b/logos_presentation.pptx
@@ -3107,7 +3107,7 @@
       </p:sp>
       <p:pic>
         <p:nvPicPr>
-          <p:cNvPr id="3" name="Picture 2" descr="Bank of America.png"/>
+          <p:cNvPr id="3" name="Picture 2" descr="Apple.png"/>
           <p:cNvPicPr>
             <a:picLocks noChangeAspect="1"/>
           </p:cNvPicPr>
@@ -3121,8 +3121,8 @@
         </p:blipFill>
         <p:spPr>
           <a:xfrm>
-            <a:off x="186690" y="881062"/>
-            <a:ext cx="723900" cy="66675"/>
+            <a:off x="477202" y="914400"/>
+            <a:ext cx="371475" cy="457200"/>
           </a:xfrm>
           <a:prstGeom prst="rect">
             <a:avLst/>
@@ -3131,7 +3131,7 @@
       </p:pic>
       <p:pic>
         <p:nvPicPr>
-          <p:cNvPr id="4" name="Picture 3" descr="Goldman Sachs.png"/>
+          <p:cNvPr id="4" name="Picture 3" descr="Bank of America.png"/>
           <p:cNvPicPr>
             <a:picLocks noChangeAspect="1"/>
           </p:cNvPicPr>
@@ -3145,8 +3145,8 @@
         </p:blipFill>
         <p:spPr>
           <a:xfrm>
-            <a:off x="1101090" y="766762"/>
-            <a:ext cx="723900" cy="295275"/>
+            <a:off x="1348740" y="1100137"/>
+            <a:ext cx="914400" cy="85725"/>
           </a:xfrm>
           <a:prstGeom prst="rect">
             <a:avLst/>
@@ -3155,7 +3155,7 @@
       </p:pic>
       <p:pic>
         <p:nvPicPr>
-          <p:cNvPr id="5" name="Picture 4" descr="Morgan Stanley.png"/>
+          <p:cNvPr id="5" name="Picture 4" descr="Facebook.png"/>
           <p:cNvPicPr>
             <a:picLocks noChangeAspect="1"/>
           </p:cNvPicPr>
@@ -3169,8 +3169,8 @@
         </p:blipFill>
         <p:spPr>
           <a:xfrm>
-            <a:off x="2015490" y="866775"/>
-            <a:ext cx="723900" cy="95250"/>
+            <a:off x="2491740" y="1057275"/>
+            <a:ext cx="914400" cy="171450"/>
           </a:xfrm>
           <a:prstGeom prst="rect">
             <a:avLst/>
@@ -3179,7 +3179,7 @@
       </p:pic>
       <p:pic>
         <p:nvPicPr>
-          <p:cNvPr id="6" name="Picture 5" descr="UBS.png"/>
+          <p:cNvPr id="6" name="Picture 5" descr="Goldman Sachs.png"/>
           <p:cNvPicPr>
             <a:picLocks noChangeAspect="1"/>
           </p:cNvPicPr>
@@ -3193,8 +3193,176 @@
         </p:blipFill>
         <p:spPr>
           <a:xfrm>
-            <a:off x="2929890" y="785812"/>
-            <a:ext cx="723900" cy="257175"/>
+            <a:off x="3634740" y="952500"/>
+            <a:ext cx="914400" cy="381000"/>
+          </a:xfrm>
+          <a:prstGeom prst="rect">
+            <a:avLst/>
+          </a:prstGeom>
+        </p:spPr>
+      </p:pic>
+      <p:pic>
+        <p:nvPicPr>
+          <p:cNvPr id="7" name="Picture 6" descr="Google.png"/>
+          <p:cNvPicPr>
+            <a:picLocks noChangeAspect="1"/>
+          </p:cNvPicPr>
+          <p:nvPr/>
+        </p:nvPicPr>
+        <p:blipFill>
+          <a:blip r:embed="rId6"/>
+          <a:stretch>
+            <a:fillRect/>
+          </a:stretch>
+        </p:blipFill>
+        <p:spPr>
+          <a:xfrm>
+            <a:off x="4777740" y="1000125"/>
+            <a:ext cx="914400" cy="285750"/>
+          </a:xfrm>
+          <a:prstGeom prst="rect">
+            <a:avLst/>
+          </a:prstGeom>
+        </p:spPr>
+      </p:pic>
+      <p:pic>
+        <p:nvPicPr>
+          <p:cNvPr id="8" name="Picture 7" descr="JPMorgan.png"/>
+          <p:cNvPicPr>
+            <a:picLocks noChangeAspect="1"/>
+          </p:cNvPicPr>
+          <p:nvPr/>
+        </p:nvPicPr>
+        <p:blipFill>
+          <a:blip r:embed="rId7"/>
+          <a:stretch>
+            <a:fillRect/>
+          </a:stretch>
+        </p:blipFill>
+        <p:spPr>
+          <a:xfrm>
+            <a:off x="205740" y="2195512"/>
+            <a:ext cx="914400" cy="180975"/>
+          </a:xfrm>
+          <a:prstGeom prst="rect">
+            <a:avLst/>
+          </a:prstGeom>
+        </p:spPr>
+      </p:pic>
+      <p:pic>
+        <p:nvPicPr>
+          <p:cNvPr id="9" name="Picture 8" descr="KFC.png"/>
+          <p:cNvPicPr>
+            <a:picLocks noChangeAspect="1"/>
+          </p:cNvPicPr>
+          <p:nvPr/>
+        </p:nvPicPr>
+        <p:blipFill>
+          <a:blip r:embed="rId8"/>
+          <a:stretch>
+            <a:fillRect/>
+          </a:stretch>
+        </p:blipFill>
+        <p:spPr>
+          <a:xfrm>
+            <a:off x="1348740" y="2152650"/>
+            <a:ext cx="914400" cy="266700"/>
+          </a:xfrm>
+          <a:prstGeom prst="rect">
+            <a:avLst/>
+          </a:prstGeom>
+        </p:spPr>
+      </p:pic>
+      <p:pic>
+        <p:nvPicPr>
+          <p:cNvPr id="10" name="Picture 9" descr="Meta.png"/>
+          <p:cNvPicPr>
+            <a:picLocks noChangeAspect="1"/>
+          </p:cNvPicPr>
+          <p:nvPr/>
+        </p:nvPicPr>
+        <p:blipFill>
+          <a:blip r:embed="rId9"/>
+          <a:stretch>
+            <a:fillRect/>
+          </a:stretch>
+        </p:blipFill>
+        <p:spPr>
+          <a:xfrm>
+            <a:off x="2491740" y="2190750"/>
+            <a:ext cx="914400" cy="190500"/>
+          </a:xfrm>
+          <a:prstGeom prst="rect">
+            <a:avLst/>
+          </a:prstGeom>
+        </p:spPr>
+      </p:pic>
+      <p:pic>
+        <p:nvPicPr>
+          <p:cNvPr id="11" name="Picture 10" descr="Morgan Stanley.png"/>
+          <p:cNvPicPr>
+            <a:picLocks noChangeAspect="1"/>
+          </p:cNvPicPr>
+          <p:nvPr/>
+        </p:nvPicPr>
+        <p:blipFill>
+          <a:blip r:embed="rId10"/>
+          <a:stretch>
+            <a:fillRect/>
+          </a:stretch>
+        </p:blipFill>
+        <p:spPr>
+          <a:xfrm>
+            <a:off x="3634740" y="2224088"/>
+            <a:ext cx="914400" cy="123824"/>
+          </a:xfrm>
+          <a:prstGeom prst="rect">
+            <a:avLst/>
+          </a:prstGeom>
+        </p:spPr>
+      </p:pic>
+      <p:pic>
+        <p:nvPicPr>
+          <p:cNvPr id="12" name="Picture 11" descr="Tesla.png"/>
+          <p:cNvPicPr>
+            <a:picLocks noChangeAspect="1"/>
+          </p:cNvPicPr>
+          <p:nvPr/>
+        </p:nvPicPr>
+        <p:blipFill>
+          <a:blip r:embed="rId11"/>
+          <a:stretch>
+            <a:fillRect/>
+          </a:stretch>
+        </p:blipFill>
+        <p:spPr>
+          <a:xfrm>
+            <a:off x="4777740" y="2243137"/>
+            <a:ext cx="914400" cy="85725"/>
+          </a:xfrm>
+          <a:prstGeom prst="rect">
+            <a:avLst/>
+          </a:prstGeom>
+        </p:spPr>
+      </p:pic>
+      <p:pic>
+        <p:nvPicPr>
+          <p:cNvPr id="13" name="Picture 12" descr="UBS.png"/>
+          <p:cNvPicPr>
+            <a:picLocks noChangeAspect="1"/>
+          </p:cNvPicPr>
+          <p:nvPr/>
+        </p:nvPicPr>
+        <p:blipFill>
+          <a:blip r:embed="rId12"/>
+          <a:stretch>
+            <a:fillRect/>
+          </a:stretch>
+        </p:blipFill>
+        <p:spPr>
+          <a:xfrm>
+            <a:off x="205740" y="3267075"/>
+            <a:ext cx="914400" cy="323850"/>
           </a:xfrm>
           <a:prstGeom prst="rect">
             <a:avLst/>

--- a/logos_presentation.pptx
+++ b/logos_presentation.pptx
@@ -3107,7 +3107,7 @@
       </p:sp>
       <p:pic>
         <p:nvPicPr>
-          <p:cNvPr id="3" name="Picture 2" descr="Apple.png"/>
+          <p:cNvPr id="3" name="Picture 2" descr="Facebook.png"/>
           <p:cNvPicPr>
             <a:picLocks noChangeAspect="1"/>
           </p:cNvPicPr>
@@ -3121,8 +3121,8 @@
         </p:blipFill>
         <p:spPr>
           <a:xfrm>
-            <a:off x="477202" y="914400"/>
-            <a:ext cx="371475" cy="457200"/>
+            <a:off x="205740" y="1057275"/>
+            <a:ext cx="914400" cy="171450"/>
           </a:xfrm>
           <a:prstGeom prst="rect">
             <a:avLst/>
@@ -3131,7 +3131,7 @@
       </p:pic>
       <p:pic>
         <p:nvPicPr>
-          <p:cNvPr id="4" name="Picture 3" descr="Bank of America.png"/>
+          <p:cNvPr id="4" name="Picture 3" descr="Ford.png"/>
           <p:cNvPicPr>
             <a:picLocks noChangeAspect="1"/>
           </p:cNvPicPr>
@@ -3145,8 +3145,8 @@
         </p:blipFill>
         <p:spPr>
           <a:xfrm>
-            <a:off x="1348740" y="1100137"/>
-            <a:ext cx="914400" cy="85725"/>
+            <a:off x="1348740" y="1062037"/>
+            <a:ext cx="914400" cy="161925"/>
           </a:xfrm>
           <a:prstGeom prst="rect">
             <a:avLst/>
@@ -3155,7 +3155,7 @@
       </p:pic>
       <p:pic>
         <p:nvPicPr>
-          <p:cNvPr id="5" name="Picture 4" descr="Facebook.png"/>
+          <p:cNvPr id="5" name="Picture 4" descr="Meta.png"/>
           <p:cNvPicPr>
             <a:picLocks noChangeAspect="1"/>
           </p:cNvPicPr>
@@ -3169,8 +3169,8 @@
         </p:blipFill>
         <p:spPr>
           <a:xfrm>
-            <a:off x="2491740" y="1057275"/>
-            <a:ext cx="914400" cy="171450"/>
+            <a:off x="2491740" y="1047750"/>
+            <a:ext cx="914400" cy="190500"/>
           </a:xfrm>
           <a:prstGeom prst="rect">
             <a:avLst/>
@@ -3179,7 +3179,7 @@
       </p:pic>
       <p:pic>
         <p:nvPicPr>
-          <p:cNvPr id="6" name="Picture 5" descr="Goldman Sachs.png"/>
+          <p:cNvPr id="6" name="Picture 5" descr="Onion.png"/>
           <p:cNvPicPr>
             <a:picLocks noChangeAspect="1"/>
           </p:cNvPicPr>
@@ -3193,176 +3193,8 @@
         </p:blipFill>
         <p:spPr>
           <a:xfrm>
-            <a:off x="3634740" y="952500"/>
-            <a:ext cx="914400" cy="381000"/>
-          </a:xfrm>
-          <a:prstGeom prst="rect">
-            <a:avLst/>
-          </a:prstGeom>
-        </p:spPr>
-      </p:pic>
-      <p:pic>
-        <p:nvPicPr>
-          <p:cNvPr id="7" name="Picture 6" descr="Google.png"/>
-          <p:cNvPicPr>
-            <a:picLocks noChangeAspect="1"/>
-          </p:cNvPicPr>
-          <p:nvPr/>
-        </p:nvPicPr>
-        <p:blipFill>
-          <a:blip r:embed="rId6"/>
-          <a:stretch>
-            <a:fillRect/>
-          </a:stretch>
-        </p:blipFill>
-        <p:spPr>
-          <a:xfrm>
-            <a:off x="4777740" y="1000125"/>
-            <a:ext cx="914400" cy="285750"/>
-          </a:xfrm>
-          <a:prstGeom prst="rect">
-            <a:avLst/>
-          </a:prstGeom>
-        </p:spPr>
-      </p:pic>
-      <p:pic>
-        <p:nvPicPr>
-          <p:cNvPr id="8" name="Picture 7" descr="JPMorgan.png"/>
-          <p:cNvPicPr>
-            <a:picLocks noChangeAspect="1"/>
-          </p:cNvPicPr>
-          <p:nvPr/>
-        </p:nvPicPr>
-        <p:blipFill>
-          <a:blip r:embed="rId7"/>
-          <a:stretch>
-            <a:fillRect/>
-          </a:stretch>
-        </p:blipFill>
-        <p:spPr>
-          <a:xfrm>
-            <a:off x="205740" y="2195512"/>
-            <a:ext cx="914400" cy="180975"/>
-          </a:xfrm>
-          <a:prstGeom prst="rect">
-            <a:avLst/>
-          </a:prstGeom>
-        </p:spPr>
-      </p:pic>
-      <p:pic>
-        <p:nvPicPr>
-          <p:cNvPr id="9" name="Picture 8" descr="KFC.png"/>
-          <p:cNvPicPr>
-            <a:picLocks noChangeAspect="1"/>
-          </p:cNvPicPr>
-          <p:nvPr/>
-        </p:nvPicPr>
-        <p:blipFill>
-          <a:blip r:embed="rId8"/>
-          <a:stretch>
-            <a:fillRect/>
-          </a:stretch>
-        </p:blipFill>
-        <p:spPr>
-          <a:xfrm>
-            <a:off x="1348740" y="2152650"/>
-            <a:ext cx="914400" cy="266700"/>
-          </a:xfrm>
-          <a:prstGeom prst="rect">
-            <a:avLst/>
-          </a:prstGeom>
-        </p:spPr>
-      </p:pic>
-      <p:pic>
-        <p:nvPicPr>
-          <p:cNvPr id="10" name="Picture 9" descr="Meta.png"/>
-          <p:cNvPicPr>
-            <a:picLocks noChangeAspect="1"/>
-          </p:cNvPicPr>
-          <p:nvPr/>
-        </p:nvPicPr>
-        <p:blipFill>
-          <a:blip r:embed="rId9"/>
-          <a:stretch>
-            <a:fillRect/>
-          </a:stretch>
-        </p:blipFill>
-        <p:spPr>
-          <a:xfrm>
-            <a:off x="2491740" y="2190750"/>
-            <a:ext cx="914400" cy="190500"/>
-          </a:xfrm>
-          <a:prstGeom prst="rect">
-            <a:avLst/>
-          </a:prstGeom>
-        </p:spPr>
-      </p:pic>
-      <p:pic>
-        <p:nvPicPr>
-          <p:cNvPr id="11" name="Picture 10" descr="Morgan Stanley.png"/>
-          <p:cNvPicPr>
-            <a:picLocks noChangeAspect="1"/>
-          </p:cNvPicPr>
-          <p:nvPr/>
-        </p:nvPicPr>
-        <p:blipFill>
-          <a:blip r:embed="rId10"/>
-          <a:stretch>
-            <a:fillRect/>
-          </a:stretch>
-        </p:blipFill>
-        <p:spPr>
-          <a:xfrm>
-            <a:off x="3634740" y="2224088"/>
-            <a:ext cx="914400" cy="123824"/>
-          </a:xfrm>
-          <a:prstGeom prst="rect">
-            <a:avLst/>
-          </a:prstGeom>
-        </p:spPr>
-      </p:pic>
-      <p:pic>
-        <p:nvPicPr>
-          <p:cNvPr id="12" name="Picture 11" descr="Tesla.png"/>
-          <p:cNvPicPr>
-            <a:picLocks noChangeAspect="1"/>
-          </p:cNvPicPr>
-          <p:nvPr/>
-        </p:nvPicPr>
-        <p:blipFill>
-          <a:blip r:embed="rId11"/>
-          <a:stretch>
-            <a:fillRect/>
-          </a:stretch>
-        </p:blipFill>
-        <p:spPr>
-          <a:xfrm>
-            <a:off x="4777740" y="2243137"/>
-            <a:ext cx="914400" cy="85725"/>
-          </a:xfrm>
-          <a:prstGeom prst="rect">
-            <a:avLst/>
-          </a:prstGeom>
-        </p:spPr>
-      </p:pic>
-      <p:pic>
-        <p:nvPicPr>
-          <p:cNvPr id="13" name="Picture 12" descr="UBS.png"/>
-          <p:cNvPicPr>
-            <a:picLocks noChangeAspect="1"/>
-          </p:cNvPicPr>
-          <p:nvPr/>
-        </p:nvPicPr>
-        <p:blipFill>
-          <a:blip r:embed="rId12"/>
-          <a:stretch>
-            <a:fillRect/>
-          </a:stretch>
-        </p:blipFill>
-        <p:spPr>
-          <a:xfrm>
-            <a:off x="205740" y="3267075"/>
-            <a:ext cx="914400" cy="323850"/>
+            <a:off x="3634740" y="1071562"/>
+            <a:ext cx="914400" cy="142875"/>
           </a:xfrm>
           <a:prstGeom prst="rect">
             <a:avLst/>

--- a/logos_presentation.pptx
+++ b/logos_presentation.pptx
@@ -3107,7 +3107,7 @@
       </p:sp>
       <p:pic>
         <p:nvPicPr>
-          <p:cNvPr id="3" name="Picture 2" descr="Facebook.png"/>
+          <p:cNvPr id="3" name="Picture 2" descr="Amazon.png"/>
           <p:cNvPicPr>
             <a:picLocks noChangeAspect="1"/>
           </p:cNvPicPr>
@@ -3121,8 +3121,8 @@
         </p:blipFill>
         <p:spPr>
           <a:xfrm>
-            <a:off x="205740" y="1057275"/>
-            <a:ext cx="914400" cy="171450"/>
+            <a:off x="548640" y="3962400"/>
+            <a:ext cx="3657600" cy="1219200"/>
           </a:xfrm>
           <a:prstGeom prst="rect">
             <a:avLst/>
@@ -3131,7 +3131,7 @@
       </p:pic>
       <p:pic>
         <p:nvPicPr>
-          <p:cNvPr id="4" name="Picture 3" descr="Ford.png"/>
+          <p:cNvPr id="4" name="Picture 3" descr="Apple.png"/>
           <p:cNvPicPr>
             <a:picLocks noChangeAspect="1"/>
           </p:cNvPicPr>
@@ -3145,8 +3145,8 @@
         </p:blipFill>
         <p:spPr>
           <a:xfrm>
-            <a:off x="1348740" y="1062037"/>
-            <a:ext cx="914400" cy="161925"/>
+            <a:off x="6201727" y="3657600"/>
+            <a:ext cx="1495425" cy="1828800"/>
           </a:xfrm>
           <a:prstGeom prst="rect">
             <a:avLst/>
@@ -3155,7 +3155,7 @@
       </p:pic>
       <p:pic>
         <p:nvPicPr>
-          <p:cNvPr id="5" name="Picture 4" descr="Meta.png"/>
+          <p:cNvPr id="5" name="Picture 4" descr="Facebook.png"/>
           <p:cNvPicPr>
             <a:picLocks noChangeAspect="1"/>
           </p:cNvPicPr>
@@ -3169,8 +3169,8 @@
         </p:blipFill>
         <p:spPr>
           <a:xfrm>
-            <a:off x="2491740" y="1047750"/>
-            <a:ext cx="914400" cy="190500"/>
+            <a:off x="9692640" y="4214812"/>
+            <a:ext cx="3657600" cy="714375"/>
           </a:xfrm>
           <a:prstGeom prst="rect">
             <a:avLst/>
@@ -3179,7 +3179,7 @@
       </p:pic>
       <p:pic>
         <p:nvPicPr>
-          <p:cNvPr id="6" name="Picture 5" descr="Onion.png"/>
+          <p:cNvPr id="6" name="Picture 5" descr="Google.png"/>
           <p:cNvPicPr>
             <a:picLocks noChangeAspect="1"/>
           </p:cNvPicPr>
@@ -3193,8 +3193,8 @@
         </p:blipFill>
         <p:spPr>
           <a:xfrm>
-            <a:off x="3634740" y="1071562"/>
-            <a:ext cx="914400" cy="142875"/>
+            <a:off x="14264640" y="4000500"/>
+            <a:ext cx="3657600" cy="1143000"/>
           </a:xfrm>
           <a:prstGeom prst="rect">
             <a:avLst/>

--- a/logos_presentation.pptx
+++ b/logos_presentation.pptx
@@ -3107,7 +3107,7 @@
       </p:sp>
       <p:pic>
         <p:nvPicPr>
-          <p:cNvPr id="3" name="Picture 2" descr="Amazon.png"/>
+          <p:cNvPr id="3" name="Picture 2" descr="Apple.png"/>
           <p:cNvPicPr>
             <a:picLocks noChangeAspect="1"/>
           </p:cNvPicPr>
@@ -3121,8 +3121,8 @@
         </p:blipFill>
         <p:spPr>
           <a:xfrm>
-            <a:off x="548640" y="3962400"/>
-            <a:ext cx="3657600" cy="1219200"/>
+            <a:off x="477202" y="914400"/>
+            <a:ext cx="371475" cy="457200"/>
           </a:xfrm>
           <a:prstGeom prst="rect">
             <a:avLst/>
@@ -3131,7 +3131,7 @@
       </p:pic>
       <p:pic>
         <p:nvPicPr>
-          <p:cNvPr id="4" name="Picture 3" descr="Apple.png"/>
+          <p:cNvPr id="4" name="Picture 3" descr="Google.png"/>
           <p:cNvPicPr>
             <a:picLocks noChangeAspect="1"/>
           </p:cNvPicPr>
@@ -3145,8 +3145,8 @@
         </p:blipFill>
         <p:spPr>
           <a:xfrm>
-            <a:off x="6201727" y="3657600"/>
-            <a:ext cx="1495425" cy="1828800"/>
+            <a:off x="1348740" y="1000125"/>
+            <a:ext cx="914400" cy="285750"/>
           </a:xfrm>
           <a:prstGeom prst="rect">
             <a:avLst/>
@@ -3155,7 +3155,7 @@
       </p:pic>
       <p:pic>
         <p:nvPicPr>
-          <p:cNvPr id="5" name="Picture 4" descr="Facebook.png"/>
+          <p:cNvPr id="5" name="Picture 4" descr="Meta.png"/>
           <p:cNvPicPr>
             <a:picLocks noChangeAspect="1"/>
           </p:cNvPicPr>
@@ -3169,32 +3169,8 @@
         </p:blipFill>
         <p:spPr>
           <a:xfrm>
-            <a:off x="9692640" y="4214812"/>
-            <a:ext cx="3657600" cy="714375"/>
-          </a:xfrm>
-          <a:prstGeom prst="rect">
-            <a:avLst/>
-          </a:prstGeom>
-        </p:spPr>
-      </p:pic>
-      <p:pic>
-        <p:nvPicPr>
-          <p:cNvPr id="6" name="Picture 5" descr="Google.png"/>
-          <p:cNvPicPr>
-            <a:picLocks noChangeAspect="1"/>
-          </p:cNvPicPr>
-          <p:nvPr/>
-        </p:nvPicPr>
-        <p:blipFill>
-          <a:blip r:embed="rId5"/>
-          <a:stretch>
-            <a:fillRect/>
-          </a:stretch>
-        </p:blipFill>
-        <p:spPr>
-          <a:xfrm>
-            <a:off x="14264640" y="4000500"/>
-            <a:ext cx="3657600" cy="1143000"/>
+            <a:off x="2491740" y="1047750"/>
+            <a:ext cx="914400" cy="190500"/>
           </a:xfrm>
           <a:prstGeom prst="rect">
             <a:avLst/>

--- a/logos_presentation.pptx
+++ b/logos_presentation.pptx
@@ -3131,7 +3131,7 @@
       </p:pic>
       <p:pic>
         <p:nvPicPr>
-          <p:cNvPr id="4" name="Picture 3" descr="Google.png"/>
+          <p:cNvPr id="4" name="Picture 3" descr="Facebook.png"/>
           <p:cNvPicPr>
             <a:picLocks noChangeAspect="1"/>
           </p:cNvPicPr>
@@ -3145,8 +3145,8 @@
         </p:blipFill>
         <p:spPr>
           <a:xfrm>
-            <a:off x="1348740" y="1000125"/>
-            <a:ext cx="914400" cy="285750"/>
+            <a:off x="1348740" y="1057275"/>
+            <a:ext cx="914400" cy="171450"/>
           </a:xfrm>
           <a:prstGeom prst="rect">
             <a:avLst/>
@@ -3155,7 +3155,7 @@
       </p:pic>
       <p:pic>
         <p:nvPicPr>
-          <p:cNvPr id="5" name="Picture 4" descr="Meta.png"/>
+          <p:cNvPr id="5" name="Picture 4" descr="Google.png"/>
           <p:cNvPicPr>
             <a:picLocks noChangeAspect="1"/>
           </p:cNvPicPr>
@@ -3169,8 +3169,8 @@
         </p:blipFill>
         <p:spPr>
           <a:xfrm>
-            <a:off x="2491740" y="1047750"/>
-            <a:ext cx="914400" cy="190500"/>
+            <a:off x="2491740" y="1000125"/>
+            <a:ext cx="914400" cy="285750"/>
           </a:xfrm>
           <a:prstGeom prst="rect">
             <a:avLst/>

--- a/logos_presentation.pptx
+++ b/logos_presentation.pptx
@@ -3107,7 +3107,7 @@
       </p:sp>
       <p:pic>
         <p:nvPicPr>
-          <p:cNvPr id="3" name="Picture 2" descr="Apple.png"/>
+          <p:cNvPr id="3" name="Picture 2" descr="Alinda Capital Partners.png"/>
           <p:cNvPicPr>
             <a:picLocks noChangeAspect="1"/>
           </p:cNvPicPr>
@@ -3121,8 +3121,8 @@
         </p:blipFill>
         <p:spPr>
           <a:xfrm>
-            <a:off x="477202" y="914400"/>
-            <a:ext cx="371475" cy="457200"/>
+            <a:off x="205740" y="1023937"/>
+            <a:ext cx="914400" cy="238125"/>
           </a:xfrm>
           <a:prstGeom prst="rect">
             <a:avLst/>
@@ -3131,7 +3131,7 @@
       </p:pic>
       <p:pic>
         <p:nvPicPr>
-          <p:cNvPr id="4" name="Picture 3" descr="Facebook.png"/>
+          <p:cNvPr id="4" name="Picture 3" descr="Allianz Capital Partners.png"/>
           <p:cNvPicPr>
             <a:picLocks noChangeAspect="1"/>
           </p:cNvPicPr>
@@ -3145,8 +3145,8 @@
         </p:blipFill>
         <p:spPr>
           <a:xfrm>
-            <a:off x="1348740" y="1057275"/>
-            <a:ext cx="914400" cy="171450"/>
+            <a:off x="1348740" y="1062037"/>
+            <a:ext cx="914400" cy="161925"/>
           </a:xfrm>
           <a:prstGeom prst="rect">
             <a:avLst/>
@@ -3155,7 +3155,7 @@
       </p:pic>
       <p:pic>
         <p:nvPicPr>
-          <p:cNvPr id="5" name="Picture 4" descr="Google.png"/>
+          <p:cNvPr id="5" name="Picture 4" descr="AMP Capital.png"/>
           <p:cNvPicPr>
             <a:picLocks noChangeAspect="1"/>
           </p:cNvPicPr>
@@ -3169,8 +3169,416 @@
         </p:blipFill>
         <p:spPr>
           <a:xfrm>
-            <a:off x="2491740" y="1000125"/>
-            <a:ext cx="914400" cy="285750"/>
+            <a:off x="2491740" y="947737"/>
+            <a:ext cx="914400" cy="390525"/>
+          </a:xfrm>
+          <a:prstGeom prst="rect">
+            <a:avLst/>
+          </a:prstGeom>
+        </p:spPr>
+      </p:pic>
+      <p:pic>
+        <p:nvPicPr>
+          <p:cNvPr id="6" name="Picture 5" descr="Antin Infrastructure Partners.png"/>
+          <p:cNvPicPr>
+            <a:picLocks noChangeAspect="1"/>
+          </p:cNvPicPr>
+          <p:nvPr/>
+        </p:nvPicPr>
+        <p:blipFill>
+          <a:blip r:embed="rId5"/>
+          <a:stretch>
+            <a:fillRect/>
+          </a:stretch>
+        </p:blipFill>
+        <p:spPr>
+          <a:xfrm>
+            <a:off x="3634740" y="995362"/>
+            <a:ext cx="914400" cy="295275"/>
+          </a:xfrm>
+          <a:prstGeom prst="rect">
+            <a:avLst/>
+          </a:prstGeom>
+        </p:spPr>
+      </p:pic>
+      <p:pic>
+        <p:nvPicPr>
+          <p:cNvPr id="7" name="Picture 6" descr="Ardian Infrastructure.png"/>
+          <p:cNvPicPr>
+            <a:picLocks noChangeAspect="1"/>
+          </p:cNvPicPr>
+          <p:nvPr/>
+        </p:nvPicPr>
+        <p:blipFill>
+          <a:blip r:embed="rId6"/>
+          <a:stretch>
+            <a:fillRect/>
+          </a:stretch>
+        </p:blipFill>
+        <p:spPr>
+          <a:xfrm>
+            <a:off x="4777740" y="1076325"/>
+            <a:ext cx="914400" cy="133350"/>
+          </a:xfrm>
+          <a:prstGeom prst="rect">
+            <a:avLst/>
+          </a:prstGeom>
+        </p:spPr>
+      </p:pic>
+      <p:pic>
+        <p:nvPicPr>
+          <p:cNvPr id="8" name="Picture 7" descr="Basalt Infrastructure Partners.png"/>
+          <p:cNvPicPr>
+            <a:picLocks noChangeAspect="1"/>
+          </p:cNvPicPr>
+          <p:nvPr/>
+        </p:nvPicPr>
+        <p:blipFill>
+          <a:blip r:embed="rId7"/>
+          <a:stretch>
+            <a:fillRect/>
+          </a:stretch>
+        </p:blipFill>
+        <p:spPr>
+          <a:xfrm>
+            <a:off x="205740" y="2166937"/>
+            <a:ext cx="914400" cy="238125"/>
+          </a:xfrm>
+          <a:prstGeom prst="rect">
+            <a:avLst/>
+          </a:prstGeom>
+        </p:spPr>
+      </p:pic>
+      <p:pic>
+        <p:nvPicPr>
+          <p:cNvPr id="9" name="Picture 8" descr="Blackstone Infrastructure Partners.png"/>
+          <p:cNvPicPr>
+            <a:picLocks noChangeAspect="1"/>
+          </p:cNvPicPr>
+          <p:nvPr/>
+        </p:nvPicPr>
+        <p:blipFill>
+          <a:blip r:embed="rId8"/>
+          <a:stretch>
+            <a:fillRect/>
+          </a:stretch>
+        </p:blipFill>
+        <p:spPr>
+          <a:xfrm>
+            <a:off x="1348740" y="2109787"/>
+            <a:ext cx="914400" cy="352425"/>
+          </a:xfrm>
+          <a:prstGeom prst="rect">
+            <a:avLst/>
+          </a:prstGeom>
+        </p:spPr>
+      </p:pic>
+      <p:pic>
+        <p:nvPicPr>
+          <p:cNvPr id="10" name="Picture 9" descr="Brookfield Infrastructure Partners.png"/>
+          <p:cNvPicPr>
+            <a:picLocks noChangeAspect="1"/>
+          </p:cNvPicPr>
+          <p:nvPr/>
+        </p:nvPicPr>
+        <p:blipFill>
+          <a:blip r:embed="rId9"/>
+          <a:stretch>
+            <a:fillRect/>
+          </a:stretch>
+        </p:blipFill>
+        <p:spPr>
+          <a:xfrm>
+            <a:off x="2491740" y="2219325"/>
+            <a:ext cx="914400" cy="133350"/>
+          </a:xfrm>
+          <a:prstGeom prst="rect">
+            <a:avLst/>
+          </a:prstGeom>
+        </p:spPr>
+      </p:pic>
+      <p:pic>
+        <p:nvPicPr>
+          <p:cNvPr id="11" name="Picture 10" descr="Basalt Infrastructure Partners.png"/>
+          <p:cNvPicPr>
+            <a:picLocks noChangeAspect="1"/>
+          </p:cNvPicPr>
+          <p:nvPr/>
+        </p:nvPicPr>
+        <p:blipFill>
+          <a:blip r:embed="rId7"/>
+          <a:stretch>
+            <a:fillRect/>
+          </a:stretch>
+        </p:blipFill>
+        <p:spPr>
+          <a:xfrm>
+            <a:off x="3634740" y="2166937"/>
+            <a:ext cx="914400" cy="238125"/>
+          </a:xfrm>
+          <a:prstGeom prst="rect">
+            <a:avLst/>
+          </a:prstGeom>
+        </p:spPr>
+      </p:pic>
+      <p:pic>
+        <p:nvPicPr>
+          <p:cNvPr id="12" name="Picture 11" descr="Digital Bridge Holdings.png"/>
+          <p:cNvPicPr>
+            <a:picLocks noChangeAspect="1"/>
+          </p:cNvPicPr>
+          <p:nvPr/>
+        </p:nvPicPr>
+        <p:blipFill>
+          <a:blip r:embed="rId10"/>
+          <a:stretch>
+            <a:fillRect/>
+          </a:stretch>
+        </p:blipFill>
+        <p:spPr>
+          <a:xfrm>
+            <a:off x="4777740" y="2176462"/>
+            <a:ext cx="914400" cy="219075"/>
+          </a:xfrm>
+          <a:prstGeom prst="rect">
+            <a:avLst/>
+          </a:prstGeom>
+        </p:spPr>
+      </p:pic>
+      <p:pic>
+        <p:nvPicPr>
+          <p:cNvPr id="13" name="Picture 12" descr="Digital Bridge Holdings.png"/>
+          <p:cNvPicPr>
+            <a:picLocks noChangeAspect="1"/>
+          </p:cNvPicPr>
+          <p:nvPr/>
+        </p:nvPicPr>
+        <p:blipFill>
+          <a:blip r:embed="rId10"/>
+          <a:stretch>
+            <a:fillRect/>
+          </a:stretch>
+        </p:blipFill>
+        <p:spPr>
+          <a:xfrm>
+            <a:off x="205740" y="3319462"/>
+            <a:ext cx="914400" cy="219075"/>
+          </a:xfrm>
+          <a:prstGeom prst="rect">
+            <a:avLst/>
+          </a:prstGeom>
+        </p:spPr>
+      </p:pic>
+      <p:pic>
+        <p:nvPicPr>
+          <p:cNvPr id="14" name="Picture 13" descr="EQT Infrastructure.png"/>
+          <p:cNvPicPr>
+            <a:picLocks noChangeAspect="1"/>
+          </p:cNvPicPr>
+          <p:nvPr/>
+        </p:nvPicPr>
+        <p:blipFill>
+          <a:blip r:embed="rId11"/>
+          <a:stretch>
+            <a:fillRect/>
+          </a:stretch>
+        </p:blipFill>
+        <p:spPr>
+          <a:xfrm>
+            <a:off x="1348740" y="3300412"/>
+            <a:ext cx="914400" cy="257175"/>
+          </a:xfrm>
+          <a:prstGeom prst="rect">
+            <a:avLst/>
+          </a:prstGeom>
+        </p:spPr>
+      </p:pic>
+      <p:pic>
+        <p:nvPicPr>
+          <p:cNvPr id="15" name="Picture 14" descr="Global Infrastructure Partners.png"/>
+          <p:cNvPicPr>
+            <a:picLocks noChangeAspect="1"/>
+          </p:cNvPicPr>
+          <p:nvPr/>
+        </p:nvPicPr>
+        <p:blipFill>
+          <a:blip r:embed="rId12"/>
+          <a:stretch>
+            <a:fillRect/>
+          </a:stretch>
+        </p:blipFill>
+        <p:spPr>
+          <a:xfrm>
+            <a:off x="2491740" y="3281362"/>
+            <a:ext cx="914400" cy="295275"/>
+          </a:xfrm>
+          <a:prstGeom prst="rect">
+            <a:avLst/>
+          </a:prstGeom>
+        </p:spPr>
+      </p:pic>
+      <p:pic>
+        <p:nvPicPr>
+          <p:cNvPr id="16" name="Picture 15" descr="Goldman Sachs Infrastructure Partners.png"/>
+          <p:cNvPicPr>
+            <a:picLocks noChangeAspect="1"/>
+          </p:cNvPicPr>
+          <p:nvPr/>
+        </p:nvPicPr>
+        <p:blipFill>
+          <a:blip r:embed="rId13"/>
+          <a:stretch>
+            <a:fillRect/>
+          </a:stretch>
+        </p:blipFill>
+        <p:spPr>
+          <a:xfrm>
+            <a:off x="3634740" y="3233737"/>
+            <a:ext cx="914400" cy="390525"/>
+          </a:xfrm>
+          <a:prstGeom prst="rect">
+            <a:avLst/>
+          </a:prstGeom>
+        </p:spPr>
+      </p:pic>
+      <p:pic>
+        <p:nvPicPr>
+          <p:cNvPr id="17" name="Picture 16" descr="I Squared Capital.png"/>
+          <p:cNvPicPr>
+            <a:picLocks noChangeAspect="1"/>
+          </p:cNvPicPr>
+          <p:nvPr/>
+        </p:nvPicPr>
+        <p:blipFill>
+          <a:blip r:embed="rId14"/>
+          <a:stretch>
+            <a:fillRect/>
+          </a:stretch>
+        </p:blipFill>
+        <p:spPr>
+          <a:xfrm>
+            <a:off x="4777740" y="3348037"/>
+            <a:ext cx="914400" cy="161925"/>
+          </a:xfrm>
+          <a:prstGeom prst="rect">
+            <a:avLst/>
+          </a:prstGeom>
+        </p:spPr>
+      </p:pic>
+      <p:pic>
+        <p:nvPicPr>
+          <p:cNvPr id="18" name="Picture 17" descr="KKR Global Infrastructure Investors.png"/>
+          <p:cNvPicPr>
+            <a:picLocks noChangeAspect="1"/>
+          </p:cNvPicPr>
+          <p:nvPr/>
+        </p:nvPicPr>
+        <p:blipFill>
+          <a:blip r:embed="rId15"/>
+          <a:stretch>
+            <a:fillRect/>
+          </a:stretch>
+        </p:blipFill>
+        <p:spPr>
+          <a:xfrm>
+            <a:off x="205740" y="4467225"/>
+            <a:ext cx="914400" cy="209550"/>
+          </a:xfrm>
+          <a:prstGeom prst="rect">
+            <a:avLst/>
+          </a:prstGeom>
+        </p:spPr>
+      </p:pic>
+      <p:pic>
+        <p:nvPicPr>
+          <p:cNvPr id="19" name="Picture 18" descr="Macquarie Infrastructure and Real Assets.png"/>
+          <p:cNvPicPr>
+            <a:picLocks noChangeAspect="1"/>
+          </p:cNvPicPr>
+          <p:nvPr/>
+        </p:nvPicPr>
+        <p:blipFill>
+          <a:blip r:embed="rId16"/>
+          <a:stretch>
+            <a:fillRect/>
+          </a:stretch>
+        </p:blipFill>
+        <p:spPr>
+          <a:xfrm>
+            <a:off x="1348740" y="4491037"/>
+            <a:ext cx="914400" cy="161925"/>
+          </a:xfrm>
+          <a:prstGeom prst="rect">
+            <a:avLst/>
+          </a:prstGeom>
+        </p:spPr>
+      </p:pic>
+      <p:pic>
+        <p:nvPicPr>
+          <p:cNvPr id="20" name="Picture 19" descr="Morgan Stanley Infrastructure Partners.png"/>
+          <p:cNvPicPr>
+            <a:picLocks noChangeAspect="1"/>
+          </p:cNvPicPr>
+          <p:nvPr/>
+        </p:nvPicPr>
+        <p:blipFill>
+          <a:blip r:embed="rId17"/>
+          <a:stretch>
+            <a:fillRect/>
+          </a:stretch>
+        </p:blipFill>
+        <p:spPr>
+          <a:xfrm>
+            <a:off x="2491740" y="4510088"/>
+            <a:ext cx="914400" cy="123824"/>
+          </a:xfrm>
+          <a:prstGeom prst="rect">
+            <a:avLst/>
+          </a:prstGeom>
+        </p:spPr>
+      </p:pic>
+      <p:pic>
+        <p:nvPicPr>
+          <p:cNvPr id="21" name="Picture 20" descr="Partners Group.png"/>
+          <p:cNvPicPr>
+            <a:picLocks noChangeAspect="1"/>
+          </p:cNvPicPr>
+          <p:nvPr/>
+        </p:nvPicPr>
+        <p:blipFill>
+          <a:blip r:embed="rId18"/>
+          <a:stretch>
+            <a:fillRect/>
+          </a:stretch>
+        </p:blipFill>
+        <p:spPr>
+          <a:xfrm>
+            <a:off x="3634740" y="4457700"/>
+            <a:ext cx="914400" cy="228600"/>
+          </a:xfrm>
+          <a:prstGeom prst="rect">
+            <a:avLst/>
+          </a:prstGeom>
+        </p:spPr>
+      </p:pic>
+      <p:pic>
+        <p:nvPicPr>
+          <p:cNvPr id="22" name="Picture 21" descr="Stonepeak Infrastructure Partners.png"/>
+          <p:cNvPicPr>
+            <a:picLocks noChangeAspect="1"/>
+          </p:cNvPicPr>
+          <p:nvPr/>
+        </p:nvPicPr>
+        <p:blipFill>
+          <a:blip r:embed="rId19"/>
+          <a:stretch>
+            <a:fillRect/>
+          </a:stretch>
+        </p:blipFill>
+        <p:spPr>
+          <a:xfrm>
+            <a:off x="4777740" y="4471987"/>
+            <a:ext cx="914400" cy="200025"/>
           </a:xfrm>
           <a:prstGeom prst="rect">
             <a:avLst/>
